--- a/Presentation .pptx
+++ b/Presentation .pptx
@@ -126,6 +126,7 @@
   <p1510:revLst>
     <p1510:client id="{2F4CE730-8F95-4AC4-8244-8C0E8A3EC536}" v="555" dt="2021-11-23T00:04:16.031"/>
     <p1510:client id="{55562F0B-A4C0-479C-BD94-349EB83C7D5A}" v="215" dt="2021-11-23T01:14:28.041"/>
+    <p1510:client id="{597F1B90-A4CE-4B91-B3B4-F13677371BD3}" v="32" dt="2021-11-24T00:42:39.442"/>
     <p1510:client id="{9A12F438-1822-4842-9078-525CB3981EF5}" v="14" dt="2021-11-23T22:57:40.223"/>
     <p1510:client id="{A67AC43C-722E-476F-987F-298B54F887ED}" v="534" dt="2021-11-23T01:19:26.056"/>
     <p1510:client id="{EF7595B9-46A0-4D6A-B316-6E33EAEF00D9}" v="7" dt="2021-11-23T01:19:52.743"/>
@@ -10732,7 +10733,7 @@
                 <a:ea typeface="+mn-lt"/>
                 <a:cs typeface="+mn-lt"/>
               </a:rPr>
-              <a:t>Lung cancer is the most common form of the disease in the world and 90 percent of all cases are caused by cigarette smoking. </a:t>
+              <a:t>Lung cancer is the leading cause of cancer deaths worldwide and 90 percent of all cases are caused by cigarette smoking. </a:t>
             </a:r>
           </a:p>
           <a:p>
@@ -10744,6 +10745,7 @@
               </a:rPr>
               <a:t>It kills 1.2 million people a year and about 15 percent of smokers develop lung cancer.</a:t>
             </a:r>
+            <a:endParaRPr lang="en-US"/>
           </a:p>
           <a:p>
             <a:pPr marL="457200" indent="-457200"/>
@@ -10751,14 +10753,13 @@
               <a:rPr lang="en-US" dirty="0">
                 <a:cs typeface="Calibri"/>
               </a:rPr>
-              <a:t>By using data from World Health Organization and applying a machine learning model, we wanted to see how accurately our model predicts cigarette consumption.</a:t>
+              <a:t>By using data from the World Health Organization and applying a machine learning model, we wanted to see how accurately our model predicts cigarette consumption.</a:t>
             </a:r>
+            <a:endParaRPr lang="en-US"/>
           </a:p>
           <a:p>
             <a:pPr marL="457200" indent="-457200"/>
-            <a:endParaRPr lang="en-US">
-              <a:cs typeface="Calibri"/>
-            </a:endParaRPr>
+            <a:endParaRPr lang="en-US"/>
           </a:p>
         </p:txBody>
       </p:sp>
